--- a/training-cards/agile moves/01_templates/Trainingskarte_Blanko_Beginner.pptx
+++ b/training-cards/agile moves/01_templates/Trainingskarte_Blanko_Beginner.pptx
@@ -2416,7 +2416,7 @@
               <a:buChar char="☐"/>
             </a:pPr>
             <a:r>
-              <a:rPr lang="de-DE" sz="1000">
+              <a:rPr lang="de-DE" sz="1000" dirty="0">
                 <a:solidFill>
                   <a:srgbClr val="5D5E5F"/>
                 </a:solidFill>
@@ -2426,14 +2426,6 @@
               </a:rPr>
               <a:t>mindestens 8</a:t>
             </a:r>
-            <a:endParaRPr lang="de-DE" sz="1000" dirty="0">
-              <a:solidFill>
-                <a:srgbClr val="5D5E5F"/>
-              </a:solidFill>
-              <a:latin typeface="Avenir Light" charset="0"/>
-              <a:ea typeface="Avenir Light" charset="0"/>
-              <a:cs typeface="Avenir Light" charset="0"/>
-            </a:endParaRPr>
           </a:p>
         </p:txBody>
       </p:sp>
@@ -3313,29 +3305,7 @@
                 <a:ea typeface="Avenir Light" charset="0"/>
                 <a:cs typeface="Avenir Light" charset="0"/>
               </a:rPr>
-              <a:t>. und </a:t>
-            </a:r>
-            <a:r>
-              <a:rPr lang="de-DE" sz="1000" dirty="0" smtClean="0">
-                <a:solidFill>
-                  <a:srgbClr val="5D5E5F"/>
-                </a:solidFill>
-                <a:latin typeface="Avenir Light" charset="0"/>
-                <a:ea typeface="Avenir Light" charset="0"/>
-                <a:cs typeface="Avenir Light" charset="0"/>
-              </a:rPr>
-              <a:t>Erfahrungsbericht </a:t>
-            </a:r>
-            <a:r>
-              <a:rPr lang="de-DE" sz="1000" dirty="0" smtClean="0">
-                <a:solidFill>
-                  <a:srgbClr val="5D5E5F"/>
-                </a:solidFill>
-                <a:latin typeface="Avenir Light" charset="0"/>
-                <a:ea typeface="Avenir Light" charset="0"/>
-                <a:cs typeface="Avenir Light" charset="0"/>
-              </a:rPr>
-              <a:t>nach Trainingsende</a:t>
+              <a:t>. und Erfahrungsbericht nach Trainingsende</a:t>
             </a:r>
             <a:endParaRPr lang="de-DE" sz="1000" dirty="0">
               <a:solidFill>
@@ -3466,7 +3436,7 @@
               <a:tabLst/>
             </a:pPr>
             <a:r>
-              <a:rPr lang="de-DE" sz="1000" dirty="0" err="1" smtClean="0">
+              <a:rPr lang="de-DE" sz="1000" smtClean="0">
                 <a:solidFill>
                   <a:srgbClr val="5D5E5F"/>
                 </a:solidFill>
@@ -3474,7 +3444,7 @@
                 <a:ea typeface="Avenir Light" charset="0"/>
                 <a:cs typeface="Avenir Light" charset="0"/>
               </a:rPr>
-              <a:t>Zertifizierer</a:t>
+              <a:t>Begleiter/ </a:t>
             </a:r>
             <a:r>
               <a:rPr lang="de-DE" sz="1000" dirty="0" smtClean="0">
@@ -3485,16 +3455,8 @@
                 <a:ea typeface="Avenir Light" charset="0"/>
                 <a:cs typeface="Avenir Light" charset="0"/>
               </a:rPr>
-              <a:t> / Peer</a:t>
-            </a:r>
-            <a:endParaRPr lang="de-DE" sz="1000" dirty="0" smtClean="0">
-              <a:solidFill>
-                <a:srgbClr val="5D5E5F"/>
-              </a:solidFill>
-              <a:latin typeface="Avenir Light" charset="0"/>
-              <a:ea typeface="Avenir Light" charset="0"/>
-              <a:cs typeface="Avenir Light" charset="0"/>
-            </a:endParaRPr>
+              <a:t>Peer</a:t>
+            </a:r>
           </a:p>
           <a:p>
             <a:pPr marL="171450" marR="0" indent="-171450" algn="l" defTabSz="403387" rtl="0" fontAlgn="auto" latinLnBrk="1" hangingPunct="0">
@@ -3632,7 +3594,18 @@
                 <a:ea typeface="Avenir Book"/>
                 <a:cs typeface="Avenir Book"/>
               </a:rPr>
-              <a:t>Feedback der Zertifizierenden</a:t>
+              <a:t>Feedback der </a:t>
+            </a:r>
+            <a:r>
+              <a:rPr lang="de-DE" sz="1000" dirty="0" smtClean="0">
+                <a:solidFill>
+                  <a:srgbClr val="5D5E5F"/>
+                </a:solidFill>
+                <a:latin typeface="Avenir Heavy" charset="0"/>
+                <a:ea typeface="Avenir Book"/>
+                <a:cs typeface="Avenir Book"/>
+              </a:rPr>
+              <a:t>Begleiter</a:t>
             </a:r>
             <a:endParaRPr lang="de-DE" sz="1000" dirty="0" smtClean="0">
               <a:solidFill>
